--- a/Presentations/Magellan/SI presentation 040216.pptx
+++ b/Presentations/Magellan/SI presentation 040216.pptx
@@ -20916,11 +20916,11 @@
   <p:clrMapOvr>
     <a:masterClrMapping/>
   </p:clrMapOvr>
-  <mc:AlternateContent xmlns:mc="http://schemas.openxmlformats.org/markup-compatibility/2006">
-    <mc:Choice xmlns:p14="http://schemas.microsoft.com/office/powerpoint/2010/main" Requires="p14">
+  <mc:AlternateContent xmlns:mc="http://schemas.openxmlformats.org/markup-compatibility/2006" xmlns:p14="http://schemas.microsoft.com/office/powerpoint/2010/main">
+    <mc:Choice Requires="p14">
       <p:transition spd="slow" p14:dur="2000"/>
     </mc:Choice>
-    <mc:Fallback>
+    <mc:Fallback xmlns="">
       <p:transition spd="slow"/>
     </mc:Fallback>
   </mc:AlternateContent>
@@ -23463,11 +23463,11 @@
   <p:clrMapOvr>
     <a:masterClrMapping/>
   </p:clrMapOvr>
-  <mc:AlternateContent xmlns:mc="http://schemas.openxmlformats.org/markup-compatibility/2006">
-    <mc:Choice xmlns:p14="http://schemas.microsoft.com/office/powerpoint/2010/main" Requires="p14">
+  <mc:AlternateContent xmlns:mc="http://schemas.openxmlformats.org/markup-compatibility/2006" xmlns:p14="http://schemas.microsoft.com/office/powerpoint/2010/main">
+    <mc:Choice Requires="p14">
       <p:transition spd="slow" p14:dur="2000"/>
     </mc:Choice>
-    <mc:Fallback>
+    <mc:Fallback xmlns="">
       <p:transition spd="slow"/>
     </mc:Fallback>
   </mc:AlternateContent>
@@ -24329,11 +24329,6 @@
               </a:rPr>
               <a:t> in sequence.</a:t>
             </a:r>
-            <a:endParaRPr lang="en-US" sz="2000" dirty="0" smtClean="0">
-              <a:solidFill>
-                <a:schemeClr val="tx1"/>
-              </a:solidFill>
-            </a:endParaRPr>
           </a:p>
         </p:txBody>
       </p:sp>
@@ -28066,6 +28061,138 @@
           </a:p>
         </p:txBody>
       </p:sp>
+      <p:sp>
+        <p:nvSpPr>
+          <p:cNvPr id="4" name="Canto dobrado 3"/>
+          <p:cNvSpPr/>
+          <p:nvPr/>
+        </p:nvSpPr>
+        <p:spPr>
+          <a:xfrm>
+            <a:off x="614264" y="5014357"/>
+            <a:ext cx="1260268" cy="313960"/>
+          </a:xfrm>
+          <a:prstGeom prst="foldedCorner">
+            <a:avLst/>
+          </a:prstGeom>
+        </p:spPr>
+        <p:style>
+          <a:lnRef idx="2">
+            <a:schemeClr val="accent1">
+              <a:shade val="50000"/>
+            </a:schemeClr>
+          </a:lnRef>
+          <a:fillRef idx="1">
+            <a:schemeClr val="accent1"/>
+          </a:fillRef>
+          <a:effectRef idx="0">
+            <a:schemeClr val="accent1"/>
+          </a:effectRef>
+          <a:fontRef idx="minor">
+            <a:schemeClr val="lt1"/>
+          </a:fontRef>
+        </p:style>
+        <p:txBody>
+          <a:bodyPr rtlCol="0" anchor="ctr"/>
+          <a:lstStyle/>
+          <a:p>
+            <a:pPr algn="ctr"/>
+            <a:r>
+              <a:rPr lang="fr-FR" b="1" dirty="0" smtClean="0"/>
+              <a:t>Cloud SLA</a:t>
+            </a:r>
+            <a:endParaRPr lang="fr-FR" b="1" dirty="0"/>
+          </a:p>
+        </p:txBody>
+      </p:sp>
+      <p:sp>
+        <p:nvSpPr>
+          <p:cNvPr id="86" name="Canto dobrado 85"/>
+          <p:cNvSpPr/>
+          <p:nvPr/>
+        </p:nvSpPr>
+        <p:spPr>
+          <a:xfrm>
+            <a:off x="2456553" y="5908689"/>
+            <a:ext cx="1260268" cy="313960"/>
+          </a:xfrm>
+          <a:prstGeom prst="foldedCorner">
+            <a:avLst/>
+          </a:prstGeom>
+        </p:spPr>
+        <p:style>
+          <a:lnRef idx="2">
+            <a:schemeClr val="accent1">
+              <a:shade val="50000"/>
+            </a:schemeClr>
+          </a:lnRef>
+          <a:fillRef idx="1">
+            <a:schemeClr val="accent1"/>
+          </a:fillRef>
+          <a:effectRef idx="0">
+            <a:schemeClr val="accent1"/>
+          </a:effectRef>
+          <a:fontRef idx="minor">
+            <a:schemeClr val="lt1"/>
+          </a:fontRef>
+        </p:style>
+        <p:txBody>
+          <a:bodyPr rtlCol="0" anchor="ctr"/>
+          <a:lstStyle/>
+          <a:p>
+            <a:pPr algn="ctr"/>
+            <a:r>
+              <a:rPr lang="fr-FR" b="1" dirty="0" smtClean="0"/>
+              <a:t>Cloud SLA</a:t>
+            </a:r>
+            <a:endParaRPr lang="fr-FR" b="1" dirty="0"/>
+          </a:p>
+        </p:txBody>
+      </p:sp>
+      <p:sp>
+        <p:nvSpPr>
+          <p:cNvPr id="87" name="Canto dobrado 86"/>
+          <p:cNvSpPr/>
+          <p:nvPr/>
+        </p:nvSpPr>
+        <p:spPr>
+          <a:xfrm>
+            <a:off x="7251744" y="4885291"/>
+            <a:ext cx="1260268" cy="313960"/>
+          </a:xfrm>
+          <a:prstGeom prst="foldedCorner">
+            <a:avLst/>
+          </a:prstGeom>
+        </p:spPr>
+        <p:style>
+          <a:lnRef idx="2">
+            <a:schemeClr val="accent1">
+              <a:shade val="50000"/>
+            </a:schemeClr>
+          </a:lnRef>
+          <a:fillRef idx="1">
+            <a:schemeClr val="accent1"/>
+          </a:fillRef>
+          <a:effectRef idx="0">
+            <a:schemeClr val="accent1"/>
+          </a:effectRef>
+          <a:fontRef idx="minor">
+            <a:schemeClr val="lt1"/>
+          </a:fontRef>
+        </p:style>
+        <p:txBody>
+          <a:bodyPr rtlCol="0" anchor="ctr"/>
+          <a:lstStyle/>
+          <a:p>
+            <a:pPr algn="ctr"/>
+            <a:r>
+              <a:rPr lang="fr-FR" b="1" dirty="0" smtClean="0"/>
+              <a:t>Cloud SLA</a:t>
+            </a:r>
+            <a:endParaRPr lang="fr-FR" b="1" dirty="0"/>
+          </a:p>
+        </p:txBody>
+      </p:sp>
     </p:spTree>
     <p:extLst>
       <p:ext uri="{BB962C8B-B14F-4D97-AF65-F5344CB8AC3E}">
@@ -28723,6 +28850,105 @@
                       </p:childTnLst>
                     </p:cTn>
                   </p:par>
+                  <p:par>
+                    <p:cTn id="57" fill="hold">
+                      <p:stCondLst>
+                        <p:cond delay="indefinite"/>
+                      </p:stCondLst>
+                      <p:childTnLst>
+                        <p:par>
+                          <p:cTn id="58" fill="hold">
+                            <p:stCondLst>
+                              <p:cond delay="0"/>
+                            </p:stCondLst>
+                            <p:childTnLst>
+                              <p:par>
+                                <p:cTn id="59" presetID="1" presetClass="entr" presetSubtype="0" fill="hold" grpId="0" nodeType="clickEffect">
+                                  <p:stCondLst>
+                                    <p:cond delay="0"/>
+                                  </p:stCondLst>
+                                  <p:childTnLst>
+                                    <p:set>
+                                      <p:cBhvr>
+                                        <p:cTn id="60" dur="1" fill="hold">
+                                          <p:stCondLst>
+                                            <p:cond delay="0"/>
+                                          </p:stCondLst>
+                                        </p:cTn>
+                                        <p:tgtEl>
+                                          <p:spTgt spid="87"/>
+                                        </p:tgtEl>
+                                        <p:attrNameLst>
+                                          <p:attrName>style.visibility</p:attrName>
+                                        </p:attrNameLst>
+                                      </p:cBhvr>
+                                      <p:to>
+                                        <p:strVal val="visible"/>
+                                      </p:to>
+                                    </p:set>
+                                  </p:childTnLst>
+                                </p:cTn>
+                              </p:par>
+                              <p:par>
+                                <p:cTn id="61" presetID="1" presetClass="entr" presetSubtype="0" fill="hold" grpId="0" nodeType="withEffect">
+                                  <p:stCondLst>
+                                    <p:cond delay="0"/>
+                                  </p:stCondLst>
+                                  <p:childTnLst>
+                                    <p:set>
+                                      <p:cBhvr>
+                                        <p:cTn id="62" dur="1" fill="hold">
+                                          <p:stCondLst>
+                                            <p:cond delay="0"/>
+                                          </p:stCondLst>
+                                        </p:cTn>
+                                        <p:tgtEl>
+                                          <p:spTgt spid="86"/>
+                                        </p:tgtEl>
+                                        <p:attrNameLst>
+                                          <p:attrName>style.visibility</p:attrName>
+                                        </p:attrNameLst>
+                                      </p:cBhvr>
+                                      <p:to>
+                                        <p:strVal val="visible"/>
+                                      </p:to>
+                                    </p:set>
+                                  </p:childTnLst>
+                                </p:cTn>
+                              </p:par>
+                              <p:par>
+                                <p:cTn id="63" presetID="1" presetClass="entr" presetSubtype="0" fill="hold" grpId="0" nodeType="withEffect">
+                                  <p:stCondLst>
+                                    <p:cond delay="0"/>
+                                  </p:stCondLst>
+                                  <p:childTnLst>
+                                    <p:set>
+                                      <p:cBhvr>
+                                        <p:cTn id="64" dur="1" fill="hold">
+                                          <p:stCondLst>
+                                            <p:cond delay="0"/>
+                                          </p:stCondLst>
+                                        </p:cTn>
+                                        <p:tgtEl>
+                                          <p:spTgt spid="4"/>
+                                        </p:tgtEl>
+                                        <p:attrNameLst>
+                                          <p:attrName>style.visibility</p:attrName>
+                                        </p:attrNameLst>
+                                      </p:cBhvr>
+                                      <p:to>
+                                        <p:strVal val="visible"/>
+                                      </p:to>
+                                    </p:set>
+                                  </p:childTnLst>
+                                </p:cTn>
+                              </p:par>
+                            </p:childTnLst>
+                          </p:cTn>
+                        </p:par>
+                      </p:childTnLst>
+                    </p:cTn>
+                  </p:par>
                 </p:childTnLst>
               </p:cTn>
               <p:prevCondLst>
@@ -28751,6 +28977,9 @@
       <p:bldP spid="83" grpId="0" animBg="1"/>
       <p:bldP spid="84" grpId="0" animBg="1"/>
       <p:bldP spid="85" grpId="0" animBg="1"/>
+      <p:bldP spid="4" grpId="0" animBg="1"/>
+      <p:bldP spid="86" grpId="0" animBg="1"/>
+      <p:bldP spid="87" grpId="0" animBg="1"/>
     </p:bldLst>
   </p:timing>
 </p:sld>
@@ -29778,15 +30007,6 @@
 </file>
 
 <file path=customXml/item1.xml><?xml version="1.0" encoding="utf-8"?>
-<p:properties xmlns:p="http://schemas.microsoft.com/office/2006/metadata/properties" xmlns:xsi="http://www.w3.org/2001/XMLSchema-instance" xmlns:pc="http://schemas.microsoft.com/office/infopath/2007/PartnerControls">
-  <documentManagement>
-    <_Version xmlns="http://schemas.microsoft.com/sharepoint/v3/fields" xsi:nil="true"/>
-    <_Status xmlns="http://schemas.microsoft.com/sharepoint/v3/fields">Not Started</_Status>
-  </documentManagement>
-</p:properties>
-</file>
-
-<file path=customXml/item2.xml><?xml version="1.0" encoding="utf-8"?>
 <ct:contentTypeSchema xmlns:ct="http://schemas.microsoft.com/office/2006/metadata/contentType" xmlns:ma="http://schemas.microsoft.com/office/2006/metadata/properties/metaAttributes" ct:_="" ma:_="" ma:contentTypeName="Document" ma:contentTypeID="0x0101000DE64AEEDD9B7A4D93545ACBE97D4615" ma:contentTypeVersion="2" ma:contentTypeDescription="Create a new document." ma:contentTypeScope="" ma:versionID="f49002b78e3a4a71b814eef46a983816">
   <xsd:schema xmlns:xsd="http://www.w3.org/2001/XMLSchema" xmlns:xs="http://www.w3.org/2001/XMLSchema" xmlns:p="http://schemas.microsoft.com/office/2006/metadata/properties" xmlns:ns2="http://schemas.microsoft.com/sharepoint/v3/fields" targetNamespace="http://schemas.microsoft.com/office/2006/metadata/properties" ma:root="true" ma:fieldsID="38f6db2dd0d9a0cf6a8dc37be32b365b" ns2:_="">
     <xsd:import namespace="http://schemas.microsoft.com/sharepoint/v3/fields"/>
@@ -29930,6 +30150,15 @@
 </ct:contentTypeSchema>
 </file>
 
+<file path=customXml/item2.xml><?xml version="1.0" encoding="utf-8"?>
+<p:properties xmlns:p="http://schemas.microsoft.com/office/2006/metadata/properties" xmlns:xsi="http://www.w3.org/2001/XMLSchema-instance" xmlns:pc="http://schemas.microsoft.com/office/infopath/2007/PartnerControls">
+  <documentManagement>
+    <_Version xmlns="http://schemas.microsoft.com/sharepoint/v3/fields" xsi:nil="true"/>
+    <_Status xmlns="http://schemas.microsoft.com/sharepoint/v3/fields">Not Started</_Status>
+  </documentManagement>
+</p:properties>
+</file>
+
 <file path=customXml/item3.xml><?xml version="1.0" encoding="utf-8"?>
 <?mso-contentType ?>
 <FormTemplates xmlns="http://schemas.microsoft.com/sharepoint/v3/contenttype/forms">
@@ -29940,22 +30169,6 @@
 </file>
 
 <file path=customXml/itemProps1.xml><?xml version="1.0" encoding="utf-8"?>
-<ds:datastoreItem xmlns:ds="http://schemas.openxmlformats.org/officeDocument/2006/customXml" ds:itemID="{7B6F2769-7194-4217-93D3-3AF3A4742282}">
-  <ds:schemaRefs>
-    <ds:schemaRef ds:uri="http://purl.org/dc/terms/"/>
-    <ds:schemaRef ds:uri="http://schemas.microsoft.com/office/infopath/2007/PartnerControls"/>
-    <ds:schemaRef ds:uri="http://schemas.microsoft.com/office/2006/documentManagement/types"/>
-    <ds:schemaRef ds:uri="http://www.w3.org/XML/1998/namespace"/>
-    <ds:schemaRef ds:uri="http://purl.org/dc/dcmitype/"/>
-    <ds:schemaRef ds:uri="http://schemas.microsoft.com/sharepoint/v3/fields"/>
-    <ds:schemaRef ds:uri="http://schemas.openxmlformats.org/package/2006/metadata/core-properties"/>
-    <ds:schemaRef ds:uri="http://schemas.microsoft.com/office/2006/metadata/properties"/>
-    <ds:schemaRef ds:uri="http://purl.org/dc/elements/1.1/"/>
-  </ds:schemaRefs>
-</ds:datastoreItem>
-</file>
-
-<file path=customXml/itemProps2.xml><?xml version="1.0" encoding="utf-8"?>
 <ds:datastoreItem xmlns:ds="http://schemas.openxmlformats.org/officeDocument/2006/customXml" ds:itemID="{E4214858-785C-42F7-BE66-6D0E79395FC8}">
   <ds:schemaRefs>
     <ds:schemaRef ds:uri="http://schemas.microsoft.com/office/2006/metadata/contentType"/>
@@ -29973,6 +30186,22 @@
 </ds:datastoreItem>
 </file>
 
+<file path=customXml/itemProps2.xml><?xml version="1.0" encoding="utf-8"?>
+<ds:datastoreItem xmlns:ds="http://schemas.openxmlformats.org/officeDocument/2006/customXml" ds:itemID="{7B6F2769-7194-4217-93D3-3AF3A4742282}">
+  <ds:schemaRefs>
+    <ds:schemaRef ds:uri="http://purl.org/dc/terms/"/>
+    <ds:schemaRef ds:uri="http://schemas.microsoft.com/office/infopath/2007/PartnerControls"/>
+    <ds:schemaRef ds:uri="http://schemas.microsoft.com/office/2006/documentManagement/types"/>
+    <ds:schemaRef ds:uri="http://www.w3.org/XML/1998/namespace"/>
+    <ds:schemaRef ds:uri="http://purl.org/dc/dcmitype/"/>
+    <ds:schemaRef ds:uri="http://schemas.microsoft.com/sharepoint/v3/fields"/>
+    <ds:schemaRef ds:uri="http://schemas.openxmlformats.org/package/2006/metadata/core-properties"/>
+    <ds:schemaRef ds:uri="http://schemas.microsoft.com/office/2006/metadata/properties"/>
+    <ds:schemaRef ds:uri="http://purl.org/dc/elements/1.1/"/>
+  </ds:schemaRefs>
+</ds:datastoreItem>
+</file>
+
 <file path=customXml/itemProps3.xml><?xml version="1.0" encoding="utf-8"?>
 <ds:datastoreItem xmlns:ds="http://schemas.openxmlformats.org/officeDocument/2006/customXml" ds:itemID="{87D2A1B0-FF3E-4009-940D-AED0EB70AA20}">
   <ds:schemaRefs>
